--- a/Azure Functions Functional Programming.pptx
+++ b/Azure Functions Functional Programming.pptx
@@ -222,7 +222,7 @@
           <a:p>
             <a:fld id="{F68AA8FA-865A-4F0C-9CE2-207DC88E6515}" type="datetimeFigureOut">
               <a:rPr lang="en-US" smtClean="0"/>
-              <a:t>8/30/2020</a:t>
+              <a:t>9/15/2020</a:t>
             </a:fld>
             <a:endParaRPr lang="en-US"/>
           </a:p>
@@ -1283,7 +1283,7 @@
           <a:p>
             <a:fld id="{A29231BB-AB0C-49C5-ACC5-4B7A644EC755}" type="datetimeFigureOut">
               <a:rPr lang="en-US" smtClean="0"/>
-              <a:t>8/30/2020</a:t>
+              <a:t>9/15/2020</a:t>
             </a:fld>
             <a:endParaRPr lang="en-US"/>
           </a:p>
@@ -1491,7 +1491,7 @@
           <a:p>
             <a:fld id="{A29231BB-AB0C-49C5-ACC5-4B7A644EC755}" type="datetimeFigureOut">
               <a:rPr lang="en-US" smtClean="0"/>
-              <a:t>8/30/2020</a:t>
+              <a:t>9/15/2020</a:t>
             </a:fld>
             <a:endParaRPr lang="en-US"/>
           </a:p>
@@ -1747,7 +1747,7 @@
           <a:p>
             <a:fld id="{A29231BB-AB0C-49C5-ACC5-4B7A644EC755}" type="datetimeFigureOut">
               <a:rPr lang="en-US" smtClean="0"/>
-              <a:t>8/30/2020</a:t>
+              <a:t>9/15/2020</a:t>
             </a:fld>
             <a:endParaRPr lang="en-US"/>
           </a:p>
@@ -1917,7 +1917,7 @@
           <a:p>
             <a:fld id="{A29231BB-AB0C-49C5-ACC5-4B7A644EC755}" type="datetimeFigureOut">
               <a:rPr lang="en-US" smtClean="0"/>
-              <a:t>8/30/2020</a:t>
+              <a:t>9/15/2020</a:t>
             </a:fld>
             <a:endParaRPr lang="en-US"/>
           </a:p>
@@ -2260,7 +2260,7 @@
           <a:p>
             <a:fld id="{A29231BB-AB0C-49C5-ACC5-4B7A644EC755}" type="datetimeFigureOut">
               <a:rPr lang="en-US" smtClean="0"/>
-              <a:t>8/30/2020</a:t>
+              <a:t>9/15/2020</a:t>
             </a:fld>
             <a:endParaRPr lang="en-US"/>
           </a:p>
@@ -2535,7 +2535,7 @@
           <a:p>
             <a:fld id="{A29231BB-AB0C-49C5-ACC5-4B7A644EC755}" type="datetimeFigureOut">
               <a:rPr lang="en-US" smtClean="0"/>
-              <a:t>8/30/2020</a:t>
+              <a:t>9/15/2020</a:t>
             </a:fld>
             <a:endParaRPr lang="en-US"/>
           </a:p>
@@ -2914,7 +2914,7 @@
           <a:p>
             <a:fld id="{A29231BB-AB0C-49C5-ACC5-4B7A644EC755}" type="datetimeFigureOut">
               <a:rPr lang="en-US" smtClean="0"/>
-              <a:t>8/30/2020</a:t>
+              <a:t>9/15/2020</a:t>
             </a:fld>
             <a:endParaRPr lang="en-US"/>
           </a:p>
@@ -3032,7 +3032,7 @@
           <a:p>
             <a:fld id="{A29231BB-AB0C-49C5-ACC5-4B7A644EC755}" type="datetimeFigureOut">
               <a:rPr lang="en-US" smtClean="0"/>
-              <a:t>8/30/2020</a:t>
+              <a:t>9/15/2020</a:t>
             </a:fld>
             <a:endParaRPr lang="en-US"/>
           </a:p>
@@ -3203,7 +3203,7 @@
           <a:p>
             <a:fld id="{A29231BB-AB0C-49C5-ACC5-4B7A644EC755}" type="datetimeFigureOut">
               <a:rPr lang="en-US" smtClean="0"/>
-              <a:t>8/30/2020</a:t>
+              <a:t>9/15/2020</a:t>
             </a:fld>
             <a:endParaRPr lang="en-US"/>
           </a:p>
@@ -3557,7 +3557,7 @@
           <a:p>
             <a:fld id="{A29231BB-AB0C-49C5-ACC5-4B7A644EC755}" type="datetimeFigureOut">
               <a:rPr lang="en-US" smtClean="0"/>
-              <a:t>8/30/2020</a:t>
+              <a:t>9/15/2020</a:t>
             </a:fld>
             <a:endParaRPr lang="en-US"/>
           </a:p>
@@ -3934,7 +3934,7 @@
           <a:p>
             <a:fld id="{A29231BB-AB0C-49C5-ACC5-4B7A644EC755}" type="datetimeFigureOut">
               <a:rPr lang="en-US" smtClean="0"/>
-              <a:t>8/30/2020</a:t>
+              <a:t>9/15/2020</a:t>
             </a:fld>
             <a:endParaRPr lang="en-US"/>
           </a:p>
@@ -4221,7 +4221,7 @@
           <a:p>
             <a:fld id="{A29231BB-AB0C-49C5-ACC5-4B7A644EC755}" type="datetimeFigureOut">
               <a:rPr lang="en-US" smtClean="0"/>
-              <a:t>8/30/2020</a:t>
+              <a:t>9/15/2020</a:t>
             </a:fld>
             <a:endParaRPr lang="en-US"/>
           </a:p>
@@ -5497,13 +5497,13 @@
             </a:pPr>
             <a:r>
               <a:rPr lang="en-US" dirty="0"/>
-              <a:t>Azure Functions F# Docs: </a:t>
+              <a:t>Great F# Blog/Resource: </a:t>
             </a:r>
             <a:r>
               <a:rPr lang="en-US" dirty="0">
                 <a:hlinkClick r:id="rId3"/>
               </a:rPr>
-              <a:t>https://docs.microsoft.com/en-us/azure/azure-functions/functions-reference-fsharp</a:t>
+              <a:t>https://fsharpforfunandprofit.com/</a:t>
             </a:r>
             <a:endParaRPr lang="en-US" dirty="0"/>
           </a:p>
@@ -5514,18 +5514,15 @@
             </a:pPr>
             <a:r>
               <a:rPr lang="en-US" dirty="0"/>
-              <a:t>Project Setup (credit Aaron Powell): </a:t>
+              <a:t>Azure Functions F# Docs: </a:t>
             </a:r>
             <a:r>
               <a:rPr lang="en-US" dirty="0">
                 <a:hlinkClick r:id="rId4"/>
               </a:rPr>
-              <a:t>https://www.aaron-powell.com/posts/2020-01-13-creating-azure-functions-in-fsharp/</a:t>
-            </a:r>
-            <a:r>
-              <a:rPr lang="en-US" dirty="0"/>
-              <a:t> </a:t>
-            </a:r>
+              <a:t>https://docs.microsoft.com/en-us/azure/azure-functions/functions-reference-fsharp</a:t>
+            </a:r>
+            <a:endParaRPr lang="en-US" dirty="0"/>
           </a:p>
           <a:p>
             <a:pPr>
@@ -5533,26 +5530,87 @@
               <a:buChar char="§"/>
             </a:pPr>
             <a:r>
-              <a:rPr lang="en-US" dirty="0" err="1"/>
-              <a:t>Github</a:t>
-            </a:r>
-            <a:r>
               <a:rPr lang="en-US" dirty="0"/>
-              <a:t> Repo: </a:t>
+              <a:t>Project Setup (credit Aaron Powell): </a:t>
             </a:r>
             <a:r>
               <a:rPr lang="en-US" dirty="0">
                 <a:hlinkClick r:id="rId5"/>
               </a:rPr>
+              <a:t>https://www.aaron-powell.com/posts/2020-01-13-creating-azure-functions-in-fsharp/</a:t>
+            </a:r>
+            <a:r>
+              <a:rPr lang="en-US" dirty="0"/>
+              <a:t> </a:t>
+            </a:r>
+          </a:p>
+          <a:p>
+            <a:pPr>
+              <a:buFont typeface="Wingdings" panose="05000000000000000000" pitchFamily="2" charset="2"/>
+              <a:buChar char="§"/>
+            </a:pPr>
+            <a:r>
+              <a:rPr lang="en-US" dirty="0"/>
+              <a:t>F# on </a:t>
+            </a:r>
+            <a:r>
+              <a:rPr lang="en-US" dirty="0" err="1"/>
+              <a:t>Webassembly</a:t>
+            </a:r>
+            <a:r>
+              <a:rPr lang="en-US" dirty="0"/>
+              <a:t>: </a:t>
+            </a:r>
+            <a:r>
+              <a:rPr lang="en-US" dirty="0">
+                <a:hlinkClick r:id="rId6"/>
+              </a:rPr>
+              <a:t>https://tryfsharp.fsbolero.io/</a:t>
+            </a:r>
+            <a:endParaRPr lang="en-US" dirty="0"/>
+          </a:p>
+          <a:p>
+            <a:pPr>
+              <a:buFont typeface="Wingdings" panose="05000000000000000000" pitchFamily="2" charset="2"/>
+              <a:buChar char="§"/>
+            </a:pPr>
+            <a:r>
+              <a:rPr lang="en-US" dirty="0"/>
+              <a:t>Presentation </a:t>
+            </a:r>
+            <a:r>
+              <a:rPr lang="en-US" dirty="0" err="1"/>
+              <a:t>Github</a:t>
+            </a:r>
+            <a:r>
+              <a:rPr lang="en-US" dirty="0"/>
+              <a:t> Repo: </a:t>
+            </a:r>
+            <a:r>
+              <a:rPr lang="en-US" dirty="0">
+                <a:hlinkClick r:id="rId7"/>
+              </a:rPr>
               <a:t>https://github.com/one-angry-penguin/fsharpfunctions</a:t>
             </a:r>
             <a:r>
               <a:rPr lang="en-US" dirty="0"/>
-              <a:t> (</a:t>
-            </a:r>
+              <a:t> (includes PowerPoint)</a:t>
+            </a:r>
+          </a:p>
+          <a:p>
+            <a:pPr>
+              <a:buFont typeface="Wingdings" panose="05000000000000000000" pitchFamily="2" charset="2"/>
+              <a:buChar char="§"/>
+            </a:pPr>
             <a:r>
               <a:rPr lang="en-US"/>
-              <a:t>includes PowerPoint)</a:t>
+              <a:t>Recording from Atlanta .NET: </a:t>
+            </a:r>
+            <a:r>
+              <a:rPr lang="en-US">
+                <a:hlinkClick r:id="rId8"/>
+              </a:rPr>
+              <a:t>https://www.youtube.com/watch?v=QqVHHjiNzbs</a:t>
             </a:r>
             <a:endParaRPr lang="en-US" dirty="0"/>
           </a:p>
@@ -6167,7 +6225,7 @@
 </file>
 
 <file path=ppt/slides/slide4.xml><?xml version="1.0" encoding="utf-8"?>
-<p:sld xmlns:a="http://schemas.openxmlformats.org/drawingml/2006/main" xmlns:r="http://schemas.openxmlformats.org/officeDocument/2006/relationships" xmlns:p="http://schemas.openxmlformats.org/presentationml/2006/main">
+<p:sld xmlns:a="http://schemas.openxmlformats.org/drawingml/2006/main" xmlns:r="http://schemas.openxmlformats.org/officeDocument/2006/relationships" xmlns:p="http://schemas.openxmlformats.org/presentationml/2006/main" show="0">
   <p:cSld>
     <p:bg>
       <p:bgPr>
